--- a/9.Deep_learning/class/11.0 DEEP LEARNING/class_4.00_module_9_deep learning_Regularization,CallBacks_drouput_batchNormalization_Weight_hyper_parameter.pptx
+++ b/9.Deep_learning/class/11.0 DEEP LEARNING/class_4.00_module_9_deep learning_Regularization,CallBacks_drouput_batchNormalization_Weight_hyper_parameter.pptx
@@ -12364,7 +12364,7 @@
         </p:blipFill>
         <p:spPr>
           <a:xfrm>
-            <a:off x="412750" y="0"/>
+            <a:off x="-152400" y="0"/>
             <a:ext cx="11366500" cy="6417945"/>
           </a:xfrm>
           <a:prstGeom prst="rect">
